--- a/slides/Day1.pptx
+++ b/slides/Day1.pptx
@@ -114,6 +114,11 @@
       </a:defRPr>
     </a:lvl9pPr>
   </p:defaultTextStyle>
+  <p:extLst>
+    <p:ext uri="{EFAFB233-063F-42B5-8137-9DF3F51BA10A}">
+      <p15:sldGuideLst xmlns:p15="http://schemas.microsoft.com/office/powerpoint/2012/main"/>
+    </p:ext>
+  </p:extLst>
 </p:presentation>
 </file>
 
@@ -212,7 +217,7 @@
           <a:effectLst/>
           <a:extLst>
             <a:ext uri="{91240B29-F687-4f45-9708-019B960494DF}">
-              <a14:hiddenLine xmlns:a14="http://schemas.microsoft.com/office/drawing/2010/main" xmlns="" w="9525">
+              <a14:hiddenLine xmlns="" xmlns:a14="http://schemas.microsoft.com/office/drawing/2010/main" w="9525">
                 <a:solidFill>
                   <a:srgbClr val="000000"/>
                 </a:solidFill>
@@ -404,7 +409,7 @@
           <a:p>
             <a:fld id="{3FCA6BAC-FA03-4867-A248-B136F1FCECE1}" type="datetimeFigureOut">
               <a:rPr lang="en-US" smtClean="0"/>
-              <a:t>10/12/2023</a:t>
+              <a:t>10/13/2023</a:t>
             </a:fld>
             <a:endParaRPr lang="en-US"/>
           </a:p>
@@ -722,7 +727,7 @@
           <a:p>
             <a:fld id="{3FCA6BAC-FA03-4867-A248-B136F1FCECE1}" type="datetimeFigureOut">
               <a:rPr lang="en-US" smtClean="0"/>
-              <a:t>10/12/2023</a:t>
+              <a:t>10/13/2023</a:t>
             </a:fld>
             <a:endParaRPr lang="en-US"/>
           </a:p>
@@ -1210,7 +1215,7 @@
           <a:p>
             <a:fld id="{3FCA6BAC-FA03-4867-A248-B136F1FCECE1}" type="datetimeFigureOut">
               <a:rPr lang="en-US" smtClean="0"/>
-              <a:t>10/12/2023</a:t>
+              <a:t>10/13/2023</a:t>
             </a:fld>
             <a:endParaRPr lang="en-US"/>
           </a:p>
@@ -1579,7 +1584,7 @@
           <a:p>
             <a:fld id="{3FCA6BAC-FA03-4867-A248-B136F1FCECE1}" type="datetimeFigureOut">
               <a:rPr lang="en-US" smtClean="0"/>
-              <a:t>10/12/2023</a:t>
+              <a:t>10/13/2023</a:t>
             </a:fld>
             <a:endParaRPr lang="en-US"/>
           </a:p>
@@ -1734,7 +1739,7 @@
           <a:ln/>
           <a:extLst>
             <a:ext uri="{91240B29-F687-4f45-9708-019B960494DF}">
-              <a14:hiddenLine xmlns:a14="http://schemas.microsoft.com/office/drawing/2010/main" xmlns="" w="9525">
+              <a14:hiddenLine xmlns="" xmlns:a14="http://schemas.microsoft.com/office/drawing/2010/main" w="9525">
                 <a:solidFill>
                   <a:srgbClr val="000000"/>
                 </a:solidFill>
@@ -1852,7 +1857,7 @@
           <a:p>
             <a:fld id="{3FCA6BAC-FA03-4867-A248-B136F1FCECE1}" type="datetimeFigureOut">
               <a:rPr lang="en-US" smtClean="0"/>
-              <a:t>10/12/2023</a:t>
+              <a:t>10/13/2023</a:t>
             </a:fld>
             <a:endParaRPr lang="en-US"/>
           </a:p>
@@ -2009,7 +2014,7 @@
           <a:ln/>
           <a:extLst>
             <a:ext uri="{91240B29-F687-4f45-9708-019B960494DF}">
-              <a14:hiddenLine xmlns:a14="http://schemas.microsoft.com/office/drawing/2010/main" xmlns="" w="9525">
+              <a14:hiddenLine xmlns="" xmlns:a14="http://schemas.microsoft.com/office/drawing/2010/main" w="9525">
                 <a:solidFill>
                   <a:srgbClr val="000000"/>
                 </a:solidFill>
@@ -2137,7 +2142,7 @@
           <a:p>
             <a:fld id="{3FCA6BAC-FA03-4867-A248-B136F1FCECE1}" type="datetimeFigureOut">
               <a:rPr lang="en-US" smtClean="0"/>
-              <a:t>10/12/2023</a:t>
+              <a:t>10/13/2023</a:t>
             </a:fld>
             <a:endParaRPr lang="en-US"/>
           </a:p>
@@ -2292,7 +2297,7 @@
           <a:ln/>
           <a:extLst>
             <a:ext uri="{91240B29-F687-4f45-9708-019B960494DF}">
-              <a14:hiddenLine xmlns:a14="http://schemas.microsoft.com/office/drawing/2010/main" xmlns="" w="9525">
+              <a14:hiddenLine xmlns="" xmlns:a14="http://schemas.microsoft.com/office/drawing/2010/main" w="9525">
                 <a:solidFill>
                   <a:srgbClr val="000000"/>
                 </a:solidFill>
@@ -2420,7 +2425,7 @@
           <a:p>
             <a:fld id="{3FCA6BAC-FA03-4867-A248-B136F1FCECE1}" type="datetimeFigureOut">
               <a:rPr lang="en-US" smtClean="0"/>
-              <a:t>10/12/2023</a:t>
+              <a:t>10/13/2023</a:t>
             </a:fld>
             <a:endParaRPr lang="en-US"/>
           </a:p>
@@ -2763,7 +2768,7 @@
           <a:p>
             <a:fld id="{3FCA6BAC-FA03-4867-A248-B136F1FCECE1}" type="datetimeFigureOut">
               <a:rPr lang="en-US" smtClean="0"/>
-              <a:t>10/12/2023</a:t>
+              <a:t>10/13/2023</a:t>
             </a:fld>
             <a:endParaRPr lang="en-US"/>
           </a:p>
@@ -2918,7 +2923,7 @@
           <a:ln/>
           <a:extLst>
             <a:ext uri="{91240B29-F687-4f45-9708-019B960494DF}">
-              <a14:hiddenLine xmlns:a14="http://schemas.microsoft.com/office/drawing/2010/main" xmlns="" w="9525">
+              <a14:hiddenLine xmlns="" xmlns:a14="http://schemas.microsoft.com/office/drawing/2010/main" w="9525">
                 <a:solidFill>
                   <a:srgbClr val="000000"/>
                 </a:solidFill>
@@ -3102,7 +3107,7 @@
           <a:p>
             <a:fld id="{3FCA6BAC-FA03-4867-A248-B136F1FCECE1}" type="datetimeFigureOut">
               <a:rPr lang="en-US" smtClean="0"/>
-              <a:t>10/12/2023</a:t>
+              <a:t>10/13/2023</a:t>
             </a:fld>
             <a:endParaRPr lang="en-US"/>
           </a:p>
@@ -3257,7 +3262,7 @@
           <a:ln/>
           <a:extLst>
             <a:ext uri="{91240B29-F687-4f45-9708-019B960494DF}">
-              <a14:hiddenLine xmlns:a14="http://schemas.microsoft.com/office/drawing/2010/main" xmlns="" w="9525">
+              <a14:hiddenLine xmlns="" xmlns:a14="http://schemas.microsoft.com/office/drawing/2010/main" w="9525">
                 <a:solidFill>
                   <a:srgbClr val="000000"/>
                 </a:solidFill>
@@ -3579,7 +3584,7 @@
           <a:p>
             <a:fld id="{3FCA6BAC-FA03-4867-A248-B136F1FCECE1}" type="datetimeFigureOut">
               <a:rPr lang="en-US" smtClean="0"/>
-              <a:t>10/12/2023</a:t>
+              <a:t>10/13/2023</a:t>
             </a:fld>
             <a:endParaRPr lang="en-US"/>
           </a:p>
@@ -3734,7 +3739,7 @@
           <a:ln/>
           <a:extLst>
             <a:ext uri="{91240B29-F687-4f45-9708-019B960494DF}">
-              <a14:hiddenLine xmlns:a14="http://schemas.microsoft.com/office/drawing/2010/main" xmlns="" w="9525">
+              <a14:hiddenLine xmlns="" xmlns:a14="http://schemas.microsoft.com/office/drawing/2010/main" w="9525">
                 <a:solidFill>
                   <a:srgbClr val="000000"/>
                 </a:solidFill>
@@ -3800,7 +3805,7 @@
           <a:p>
             <a:fld id="{3FCA6BAC-FA03-4867-A248-B136F1FCECE1}" type="datetimeFigureOut">
               <a:rPr lang="en-US" smtClean="0"/>
-              <a:t>10/12/2023</a:t>
+              <a:t>10/13/2023</a:t>
             </a:fld>
             <a:endParaRPr lang="en-US"/>
           </a:p>
@@ -3895,7 +3900,7 @@
           <a:p>
             <a:fld id="{3FCA6BAC-FA03-4867-A248-B136F1FCECE1}" type="datetimeFigureOut">
               <a:rPr lang="en-US" smtClean="0"/>
-              <a:t>10/12/2023</a:t>
+              <a:t>10/13/2023</a:t>
             </a:fld>
             <a:endParaRPr lang="en-US"/>
           </a:p>
@@ -4163,7 +4168,7 @@
           <a:ln/>
           <a:extLst>
             <a:ext uri="{91240B29-F687-4f45-9708-019B960494DF}">
-              <a14:hiddenLine xmlns:a14="http://schemas.microsoft.com/office/drawing/2010/main" xmlns="" w="9525">
+              <a14:hiddenLine xmlns="" xmlns:a14="http://schemas.microsoft.com/office/drawing/2010/main" w="9525">
                 <a:solidFill>
                   <a:srgbClr val="000000"/>
                 </a:solidFill>
@@ -4362,7 +4367,7 @@
           <a:p>
             <a:fld id="{3FCA6BAC-FA03-4867-A248-B136F1FCECE1}" type="datetimeFigureOut">
               <a:rPr lang="en-US" smtClean="0"/>
-              <a:t>10/12/2023</a:t>
+              <a:t>10/13/2023</a:t>
             </a:fld>
             <a:endParaRPr lang="en-US"/>
           </a:p>
@@ -4675,7 +4680,7 @@
           <a:p>
             <a:fld id="{3FCA6BAC-FA03-4867-A248-B136F1FCECE1}" type="datetimeFigureOut">
               <a:rPr lang="en-US" smtClean="0"/>
-              <a:t>10/12/2023</a:t>
+              <a:t>10/13/2023</a:t>
             </a:fld>
             <a:endParaRPr lang="en-US"/>
           </a:p>
@@ -4945,7 +4950,7 @@
           <a:p>
             <a:fld id="{3FCA6BAC-FA03-4867-A248-B136F1FCECE1}" type="datetimeFigureOut">
               <a:rPr lang="en-US" smtClean="0"/>
-              <a:t>10/12/2023</a:t>
+              <a:t>10/13/2023</a:t>
             </a:fld>
             <a:endParaRPr lang="en-US"/>
           </a:p>
@@ -5456,12 +5461,22 @@
             <p:ph type="subTitle" idx="1"/>
           </p:nvPr>
         </p:nvSpPr>
-        <p:spPr/>
-        <p:txBody>
-          <a:bodyPr/>
-          <a:lstStyle/>
-          <a:p>
-            <a:endParaRPr lang="en-US"/>
+        <p:spPr>
+          <a:xfrm>
+            <a:off x="810001" y="5280846"/>
+            <a:ext cx="10572000" cy="1066687"/>
+          </a:xfrm>
+        </p:spPr>
+        <p:txBody>
+          <a:bodyPr>
+            <a:normAutofit/>
+          </a:bodyPr>
+          <a:lstStyle/>
+          <a:p>
+            <a:r>
+              <a:rPr lang="en-US" sz="4400" dirty="0"/>
+              <a:t>Introductory Materials</a:t>
+            </a:r>
           </a:p>
         </p:txBody>
       </p:sp>
@@ -5776,7 +5791,7 @@
           <a:effectLst/>
           <a:extLst>
             <a:ext uri="{91240B29-F687-4f45-9708-019B960494DF}">
-              <a14:hiddenLine xmlns="" xmlns:a14="http://schemas.microsoft.com/office/drawing/2010/main" xmlns:p14="http://schemas.microsoft.com/office/powerpoint/2010/main" xmlns:a16="http://schemas.microsoft.com/office/drawing/2014/main" w="9525">
+              <a14:hiddenLine xmlns:a16="http://schemas.microsoft.com/office/drawing/2014/main" xmlns:p14="http://schemas.microsoft.com/office/powerpoint/2010/main" xmlns:a14="http://schemas.microsoft.com/office/drawing/2010/main" xmlns="" w="9525">
                 <a:solidFill>
                   <a:srgbClr val="000000"/>
                 </a:solidFill>
@@ -6230,7 +6245,7 @@
           <a:effectLst/>
           <a:extLst>
             <a:ext uri="{91240B29-F687-4f45-9708-019B960494DF}">
-              <a14:hiddenLine xmlns="" xmlns:a14="http://schemas.microsoft.com/office/drawing/2010/main" xmlns:p14="http://schemas.microsoft.com/office/powerpoint/2010/main" xmlns:a16="http://schemas.microsoft.com/office/drawing/2014/main" w="9525">
+              <a14:hiddenLine xmlns:a16="http://schemas.microsoft.com/office/drawing/2014/main" xmlns:p14="http://schemas.microsoft.com/office/powerpoint/2010/main" xmlns:a14="http://schemas.microsoft.com/office/drawing/2010/main" xmlns="" w="9525">
                 <a:solidFill>
                   <a:srgbClr val="000000"/>
                 </a:solidFill>

--- a/slides/Day1.pptx
+++ b/slides/Day1.pptx
@@ -11,11 +11,14 @@
     <p:sldId id="259" r:id="rId5"/>
     <p:sldId id="260" r:id="rId6"/>
     <p:sldId id="261" r:id="rId7"/>
-    <p:sldId id="263" r:id="rId8"/>
-    <p:sldId id="264" r:id="rId9"/>
-    <p:sldId id="265" r:id="rId10"/>
-    <p:sldId id="266" r:id="rId11"/>
-    <p:sldId id="267" r:id="rId12"/>
+    <p:sldId id="270" r:id="rId8"/>
+    <p:sldId id="263" r:id="rId9"/>
+    <p:sldId id="264" r:id="rId10"/>
+    <p:sldId id="265" r:id="rId11"/>
+    <p:sldId id="266" r:id="rId12"/>
+    <p:sldId id="267" r:id="rId13"/>
+    <p:sldId id="268" r:id="rId14"/>
+    <p:sldId id="269" r:id="rId15"/>
   </p:sldIdLst>
   <p:sldSz cx="12192000" cy="6858000"/>
   <p:notesSz cx="6858000" cy="9144000"/>
@@ -217,7 +220,7 @@
           <a:effectLst/>
           <a:extLst>
             <a:ext uri="{91240B29-F687-4f45-9708-019B960494DF}">
-              <a14:hiddenLine xmlns="" xmlns:a14="http://schemas.microsoft.com/office/drawing/2010/main" w="9525">
+              <a14:hiddenLine xmlns:a14="http://schemas.microsoft.com/office/drawing/2010/main" xmlns="" w="9525">
                 <a:solidFill>
                   <a:srgbClr val="000000"/>
                 </a:solidFill>
@@ -409,7 +412,7 @@
           <a:p>
             <a:fld id="{3FCA6BAC-FA03-4867-A248-B136F1FCECE1}" type="datetimeFigureOut">
               <a:rPr lang="en-US" smtClean="0"/>
-              <a:t>10/13/2023</a:t>
+              <a:t>10/18/2023</a:t>
             </a:fld>
             <a:endParaRPr lang="en-US"/>
           </a:p>
@@ -727,7 +730,7 @@
           <a:p>
             <a:fld id="{3FCA6BAC-FA03-4867-A248-B136F1FCECE1}" type="datetimeFigureOut">
               <a:rPr lang="en-US" smtClean="0"/>
-              <a:t>10/13/2023</a:t>
+              <a:t>10/18/2023</a:t>
             </a:fld>
             <a:endParaRPr lang="en-US"/>
           </a:p>
@@ -1215,7 +1218,7 @@
           <a:p>
             <a:fld id="{3FCA6BAC-FA03-4867-A248-B136F1FCECE1}" type="datetimeFigureOut">
               <a:rPr lang="en-US" smtClean="0"/>
-              <a:t>10/13/2023</a:t>
+              <a:t>10/18/2023</a:t>
             </a:fld>
             <a:endParaRPr lang="en-US"/>
           </a:p>
@@ -1584,7 +1587,7 @@
           <a:p>
             <a:fld id="{3FCA6BAC-FA03-4867-A248-B136F1FCECE1}" type="datetimeFigureOut">
               <a:rPr lang="en-US" smtClean="0"/>
-              <a:t>10/13/2023</a:t>
+              <a:t>10/18/2023</a:t>
             </a:fld>
             <a:endParaRPr lang="en-US"/>
           </a:p>
@@ -1739,7 +1742,7 @@
           <a:ln/>
           <a:extLst>
             <a:ext uri="{91240B29-F687-4f45-9708-019B960494DF}">
-              <a14:hiddenLine xmlns="" xmlns:a14="http://schemas.microsoft.com/office/drawing/2010/main" w="9525">
+              <a14:hiddenLine xmlns:a14="http://schemas.microsoft.com/office/drawing/2010/main" xmlns="" w="9525">
                 <a:solidFill>
                   <a:srgbClr val="000000"/>
                 </a:solidFill>
@@ -1857,7 +1860,7 @@
           <a:p>
             <a:fld id="{3FCA6BAC-FA03-4867-A248-B136F1FCECE1}" type="datetimeFigureOut">
               <a:rPr lang="en-US" smtClean="0"/>
-              <a:t>10/13/2023</a:t>
+              <a:t>10/18/2023</a:t>
             </a:fld>
             <a:endParaRPr lang="en-US"/>
           </a:p>
@@ -2014,7 +2017,7 @@
           <a:ln/>
           <a:extLst>
             <a:ext uri="{91240B29-F687-4f45-9708-019B960494DF}">
-              <a14:hiddenLine xmlns="" xmlns:a14="http://schemas.microsoft.com/office/drawing/2010/main" w="9525">
+              <a14:hiddenLine xmlns:a14="http://schemas.microsoft.com/office/drawing/2010/main" xmlns="" w="9525">
                 <a:solidFill>
                   <a:srgbClr val="000000"/>
                 </a:solidFill>
@@ -2142,7 +2145,7 @@
           <a:p>
             <a:fld id="{3FCA6BAC-FA03-4867-A248-B136F1FCECE1}" type="datetimeFigureOut">
               <a:rPr lang="en-US" smtClean="0"/>
-              <a:t>10/13/2023</a:t>
+              <a:t>10/18/2023</a:t>
             </a:fld>
             <a:endParaRPr lang="en-US"/>
           </a:p>
@@ -2297,7 +2300,7 @@
           <a:ln/>
           <a:extLst>
             <a:ext uri="{91240B29-F687-4f45-9708-019B960494DF}">
-              <a14:hiddenLine xmlns="" xmlns:a14="http://schemas.microsoft.com/office/drawing/2010/main" w="9525">
+              <a14:hiddenLine xmlns:a14="http://schemas.microsoft.com/office/drawing/2010/main" xmlns="" w="9525">
                 <a:solidFill>
                   <a:srgbClr val="000000"/>
                 </a:solidFill>
@@ -2425,7 +2428,7 @@
           <a:p>
             <a:fld id="{3FCA6BAC-FA03-4867-A248-B136F1FCECE1}" type="datetimeFigureOut">
               <a:rPr lang="en-US" smtClean="0"/>
-              <a:t>10/13/2023</a:t>
+              <a:t>10/18/2023</a:t>
             </a:fld>
             <a:endParaRPr lang="en-US"/>
           </a:p>
@@ -2768,7 +2771,7 @@
           <a:p>
             <a:fld id="{3FCA6BAC-FA03-4867-A248-B136F1FCECE1}" type="datetimeFigureOut">
               <a:rPr lang="en-US" smtClean="0"/>
-              <a:t>10/13/2023</a:t>
+              <a:t>10/18/2023</a:t>
             </a:fld>
             <a:endParaRPr lang="en-US"/>
           </a:p>
@@ -2923,7 +2926,7 @@
           <a:ln/>
           <a:extLst>
             <a:ext uri="{91240B29-F687-4f45-9708-019B960494DF}">
-              <a14:hiddenLine xmlns="" xmlns:a14="http://schemas.microsoft.com/office/drawing/2010/main" w="9525">
+              <a14:hiddenLine xmlns:a14="http://schemas.microsoft.com/office/drawing/2010/main" xmlns="" w="9525">
                 <a:solidFill>
                   <a:srgbClr val="000000"/>
                 </a:solidFill>
@@ -3107,7 +3110,7 @@
           <a:p>
             <a:fld id="{3FCA6BAC-FA03-4867-A248-B136F1FCECE1}" type="datetimeFigureOut">
               <a:rPr lang="en-US" smtClean="0"/>
-              <a:t>10/13/2023</a:t>
+              <a:t>10/18/2023</a:t>
             </a:fld>
             <a:endParaRPr lang="en-US"/>
           </a:p>
@@ -3262,7 +3265,7 @@
           <a:ln/>
           <a:extLst>
             <a:ext uri="{91240B29-F687-4f45-9708-019B960494DF}">
-              <a14:hiddenLine xmlns="" xmlns:a14="http://schemas.microsoft.com/office/drawing/2010/main" w="9525">
+              <a14:hiddenLine xmlns:a14="http://schemas.microsoft.com/office/drawing/2010/main" xmlns="" w="9525">
                 <a:solidFill>
                   <a:srgbClr val="000000"/>
                 </a:solidFill>
@@ -3584,7 +3587,7 @@
           <a:p>
             <a:fld id="{3FCA6BAC-FA03-4867-A248-B136F1FCECE1}" type="datetimeFigureOut">
               <a:rPr lang="en-US" smtClean="0"/>
-              <a:t>10/13/2023</a:t>
+              <a:t>10/18/2023</a:t>
             </a:fld>
             <a:endParaRPr lang="en-US"/>
           </a:p>
@@ -3739,7 +3742,7 @@
           <a:ln/>
           <a:extLst>
             <a:ext uri="{91240B29-F687-4f45-9708-019B960494DF}">
-              <a14:hiddenLine xmlns="" xmlns:a14="http://schemas.microsoft.com/office/drawing/2010/main" w="9525">
+              <a14:hiddenLine xmlns:a14="http://schemas.microsoft.com/office/drawing/2010/main" xmlns="" w="9525">
                 <a:solidFill>
                   <a:srgbClr val="000000"/>
                 </a:solidFill>
@@ -3805,7 +3808,7 @@
           <a:p>
             <a:fld id="{3FCA6BAC-FA03-4867-A248-B136F1FCECE1}" type="datetimeFigureOut">
               <a:rPr lang="en-US" smtClean="0"/>
-              <a:t>10/13/2023</a:t>
+              <a:t>10/18/2023</a:t>
             </a:fld>
             <a:endParaRPr lang="en-US"/>
           </a:p>
@@ -3900,7 +3903,7 @@
           <a:p>
             <a:fld id="{3FCA6BAC-FA03-4867-A248-B136F1FCECE1}" type="datetimeFigureOut">
               <a:rPr lang="en-US" smtClean="0"/>
-              <a:t>10/13/2023</a:t>
+              <a:t>10/18/2023</a:t>
             </a:fld>
             <a:endParaRPr lang="en-US"/>
           </a:p>
@@ -4168,7 +4171,7 @@
           <a:ln/>
           <a:extLst>
             <a:ext uri="{91240B29-F687-4f45-9708-019B960494DF}">
-              <a14:hiddenLine xmlns="" xmlns:a14="http://schemas.microsoft.com/office/drawing/2010/main" w="9525">
+              <a14:hiddenLine xmlns:a14="http://schemas.microsoft.com/office/drawing/2010/main" xmlns="" w="9525">
                 <a:solidFill>
                   <a:srgbClr val="000000"/>
                 </a:solidFill>
@@ -4367,7 +4370,7 @@
           <a:p>
             <a:fld id="{3FCA6BAC-FA03-4867-A248-B136F1FCECE1}" type="datetimeFigureOut">
               <a:rPr lang="en-US" smtClean="0"/>
-              <a:t>10/13/2023</a:t>
+              <a:t>10/18/2023</a:t>
             </a:fld>
             <a:endParaRPr lang="en-US"/>
           </a:p>
@@ -4680,7 +4683,7 @@
           <a:p>
             <a:fld id="{3FCA6BAC-FA03-4867-A248-B136F1FCECE1}" type="datetimeFigureOut">
               <a:rPr lang="en-US" smtClean="0"/>
-              <a:t>10/13/2023</a:t>
+              <a:t>10/18/2023</a:t>
             </a:fld>
             <a:endParaRPr lang="en-US"/>
           </a:p>
@@ -4950,7 +4953,7 @@
           <a:p>
             <a:fld id="{3FCA6BAC-FA03-4867-A248-B136F1FCECE1}" type="datetimeFigureOut">
               <a:rPr lang="en-US" smtClean="0"/>
-              <a:t>10/13/2023</a:t>
+              <a:t>10/18/2023</a:t>
             </a:fld>
             <a:endParaRPr lang="en-US"/>
           </a:p>
@@ -5518,6 +5521,196 @@
           <a:chExt cx="0" cy="0"/>
         </a:xfrm>
       </p:grpSpPr>
+      <p:pic>
+        <p:nvPicPr>
+          <p:cNvPr id="5122" name="Picture 2" descr="RStudio | DigitalOcean Marketplace 1-Click App">
+            <a:extLst>
+              <a:ext uri="{FF2B5EF4-FFF2-40B4-BE49-F238E27FC236}">
+                <a16:creationId xmlns:a16="http://schemas.microsoft.com/office/drawing/2014/main" id="{4258FB78-820E-3173-33C9-F44A4E40C25A}"/>
+              </a:ext>
+            </a:extLst>
+          </p:cNvPr>
+          <p:cNvPicPr>
+            <a:picLocks noChangeAspect="1" noChangeArrowheads="1"/>
+          </p:cNvPicPr>
+          <p:nvPr/>
+        </p:nvPicPr>
+        <p:blipFill>
+          <a:blip r:embed="rId2">
+            <a:extLst>
+              <a:ext uri="{28A0092B-C50C-407E-A947-70E740481C1C}">
+                <a14:useLocalDpi xmlns:a14="http://schemas.microsoft.com/office/drawing/2010/main" val="0"/>
+              </a:ext>
+            </a:extLst>
+          </a:blip>
+          <a:srcRect/>
+          <a:stretch>
+            <a:fillRect/>
+          </a:stretch>
+        </p:blipFill>
+        <p:spPr bwMode="auto">
+          <a:xfrm>
+            <a:off x="8459035" y="2828041"/>
+            <a:ext cx="2914252" cy="2938708"/>
+          </a:xfrm>
+          <a:prstGeom prst="rect">
+            <a:avLst/>
+          </a:prstGeom>
+          <a:noFill/>
+          <a:extLst>
+            <a:ext uri="{909E8E84-426E-40DD-AFC4-6F175D3DCCD1}">
+              <a14:hiddenFill xmlns:a14="http://schemas.microsoft.com/office/drawing/2010/main">
+                <a:solidFill>
+                  <a:srgbClr val="FFFFFF"/>
+                </a:solidFill>
+              </a14:hiddenFill>
+            </a:ext>
+          </a:extLst>
+        </p:spPr>
+      </p:pic>
+      <p:sp>
+        <p:nvSpPr>
+          <p:cNvPr id="2" name="Title 1">
+            <a:extLst>
+              <a:ext uri="{FF2B5EF4-FFF2-40B4-BE49-F238E27FC236}">
+                <a16:creationId xmlns:a16="http://schemas.microsoft.com/office/drawing/2014/main" id="{F625DD6D-63BE-449E-7910-B84CE3F677BE}"/>
+              </a:ext>
+            </a:extLst>
+          </p:cNvPr>
+          <p:cNvSpPr>
+            <a:spLocks noGrp="1"/>
+          </p:cNvSpPr>
+          <p:nvPr>
+            <p:ph type="title"/>
+          </p:nvPr>
+        </p:nvSpPr>
+        <p:spPr>
+          <a:xfrm>
+            <a:off x="810000" y="447188"/>
+            <a:ext cx="10571998" cy="970450"/>
+          </a:xfrm>
+        </p:spPr>
+        <p:txBody>
+          <a:bodyPr>
+            <a:normAutofit/>
+          </a:bodyPr>
+          <a:lstStyle/>
+          <a:p>
+            <a:r>
+              <a:rPr lang="en-US" dirty="0"/>
+              <a:t>R and RStudio</a:t>
+            </a:r>
+          </a:p>
+        </p:txBody>
+      </p:sp>
+      <p:sp>
+        <p:nvSpPr>
+          <p:cNvPr id="3" name="Content Placeholder 2">
+            <a:extLst>
+              <a:ext uri="{FF2B5EF4-FFF2-40B4-BE49-F238E27FC236}">
+                <a16:creationId xmlns:a16="http://schemas.microsoft.com/office/drawing/2014/main" id="{9B4E437D-FCA7-7B80-8DA4-C04B07E9E7B9}"/>
+              </a:ext>
+            </a:extLst>
+          </p:cNvPr>
+          <p:cNvSpPr>
+            <a:spLocks noGrp="1"/>
+          </p:cNvSpPr>
+          <p:nvPr>
+            <p:ph idx="1"/>
+          </p:nvPr>
+        </p:nvSpPr>
+        <p:spPr>
+          <a:xfrm>
+            <a:off x="818713" y="2413000"/>
+            <a:ext cx="7199220" cy="3632200"/>
+          </a:xfrm>
+        </p:spPr>
+        <p:txBody>
+          <a:bodyPr>
+            <a:normAutofit/>
+          </a:bodyPr>
+          <a:lstStyle/>
+          <a:p>
+            <a:r>
+              <a:rPr lang="en-US" dirty="0" err="1"/>
+              <a:t>Rstudio</a:t>
+            </a:r>
+            <a:endParaRPr lang="en-US" dirty="0"/>
+          </a:p>
+          <a:p>
+            <a:pPr lvl="1"/>
+            <a:r>
+              <a:rPr lang="en-US" dirty="0"/>
+              <a:t>Development environment for R</a:t>
+            </a:r>
+          </a:p>
+          <a:p>
+            <a:pPr lvl="1"/>
+            <a:r>
+              <a:rPr lang="en-US" dirty="0"/>
+              <a:t>This is the standard environment for using R</a:t>
+            </a:r>
+          </a:p>
+          <a:p>
+            <a:pPr lvl="1"/>
+            <a:endParaRPr lang="en-US" dirty="0"/>
+          </a:p>
+          <a:p>
+            <a:r>
+              <a:rPr lang="en-US" dirty="0"/>
+              <a:t>We will use this to write, manage, run, and interpret our R code</a:t>
+            </a:r>
+          </a:p>
+          <a:p>
+            <a:endParaRPr lang="en-US" dirty="0"/>
+          </a:p>
+          <a:p>
+            <a:pPr lvl="1"/>
+            <a:endParaRPr lang="en-US" dirty="0"/>
+          </a:p>
+          <a:p>
+            <a:endParaRPr lang="en-US" dirty="0"/>
+          </a:p>
+        </p:txBody>
+      </p:sp>
+    </p:spTree>
+    <p:extLst>
+      <p:ext uri="{BB962C8B-B14F-4D97-AF65-F5344CB8AC3E}">
+        <p14:creationId xmlns:p14="http://schemas.microsoft.com/office/powerpoint/2010/main" val="4068023223"/>
+      </p:ext>
+    </p:extLst>
+  </p:cSld>
+  <p:clrMapOvr>
+    <a:masterClrMapping/>
+  </p:clrMapOvr>
+</p:sld>
+</file>
+
+<file path=ppt/slides/slide11.xml><?xml version="1.0" encoding="utf-8"?>
+<p:sld xmlns:a="http://schemas.openxmlformats.org/drawingml/2006/main" xmlns:r="http://schemas.openxmlformats.org/officeDocument/2006/relationships" xmlns:p="http://schemas.openxmlformats.org/presentationml/2006/main">
+  <p:cSld>
+    <p:bg>
+      <p:bgPr>
+        <a:solidFill>
+          <a:schemeClr val="bg2"/>
+        </a:solidFill>
+        <a:effectLst/>
+      </p:bgPr>
+    </p:bg>
+    <p:spTree>
+      <p:nvGrpSpPr>
+        <p:cNvPr id="1" name=""/>
+        <p:cNvGrpSpPr/>
+        <p:nvPr/>
+      </p:nvGrpSpPr>
+      <p:grpSpPr>
+        <a:xfrm>
+          <a:off x="0" y="0"/>
+          <a:ext cx="0" cy="0"/>
+          <a:chOff x="0" y="0"/>
+          <a:chExt cx="0" cy="0"/>
+        </a:xfrm>
+      </p:grpSpPr>
       <p:sp useBgFill="1">
         <p:nvSpPr>
           <p:cNvPr id="8" name="Rectangle 7">
@@ -5791,7 +5984,7 @@
           <a:effectLst/>
           <a:extLst>
             <a:ext uri="{91240B29-F687-4f45-9708-019B960494DF}">
-              <a14:hiddenLine xmlns:a16="http://schemas.microsoft.com/office/drawing/2014/main" xmlns:p14="http://schemas.microsoft.com/office/powerpoint/2010/main" xmlns:a14="http://schemas.microsoft.com/office/drawing/2010/main" xmlns="" w="9525">
+              <a14:hiddenLine xmlns="" xmlns:a14="http://schemas.microsoft.com/office/drawing/2010/main" xmlns:p14="http://schemas.microsoft.com/office/powerpoint/2010/main" xmlns:a16="http://schemas.microsoft.com/office/drawing/2014/main" w="9525">
                 <a:solidFill>
                   <a:srgbClr val="000000"/>
                 </a:solidFill>
@@ -5947,7 +6140,7 @@
 </p:sld>
 </file>
 
-<file path=ppt/slides/slide11.xml><?xml version="1.0" encoding="utf-8"?>
+<file path=ppt/slides/slide12.xml><?xml version="1.0" encoding="utf-8"?>
 <p:sld xmlns:a="http://schemas.openxmlformats.org/drawingml/2006/main" xmlns:r="http://schemas.openxmlformats.org/officeDocument/2006/relationships" xmlns:p="http://schemas.openxmlformats.org/presentationml/2006/main">
   <p:cSld>
     <p:bg>
@@ -6245,7 +6438,7 @@
           <a:effectLst/>
           <a:extLst>
             <a:ext uri="{91240B29-F687-4f45-9708-019B960494DF}">
-              <a14:hiddenLine xmlns:a16="http://schemas.microsoft.com/office/drawing/2014/main" xmlns:p14="http://schemas.microsoft.com/office/powerpoint/2010/main" xmlns:a14="http://schemas.microsoft.com/office/drawing/2010/main" xmlns="" w="9525">
+              <a14:hiddenLine xmlns="" xmlns:a14="http://schemas.microsoft.com/office/drawing/2010/main" xmlns:p14="http://schemas.microsoft.com/office/powerpoint/2010/main" xmlns:a16="http://schemas.microsoft.com/office/drawing/2014/main" w="9525">
                 <a:solidFill>
                   <a:srgbClr val="000000"/>
                 </a:solidFill>
@@ -6389,6 +6582,219 @@
     <p:extLst>
       <p:ext uri="{BB962C8B-B14F-4D97-AF65-F5344CB8AC3E}">
         <p14:creationId xmlns:p14="http://schemas.microsoft.com/office/powerpoint/2010/main" val="1821532705"/>
+      </p:ext>
+    </p:extLst>
+  </p:cSld>
+  <p:clrMapOvr>
+    <a:masterClrMapping/>
+  </p:clrMapOvr>
+</p:sld>
+</file>
+
+<file path=ppt/slides/slide13.xml><?xml version="1.0" encoding="utf-8"?>
+<p:sld xmlns:a="http://schemas.openxmlformats.org/drawingml/2006/main" xmlns:r="http://schemas.openxmlformats.org/officeDocument/2006/relationships" xmlns:p="http://schemas.openxmlformats.org/presentationml/2006/main">
+  <p:cSld>
+    <p:spTree>
+      <p:nvGrpSpPr>
+        <p:cNvPr id="1" name=""/>
+        <p:cNvGrpSpPr/>
+        <p:nvPr/>
+      </p:nvGrpSpPr>
+      <p:grpSpPr>
+        <a:xfrm>
+          <a:off x="0" y="0"/>
+          <a:ext cx="0" cy="0"/>
+          <a:chOff x="0" y="0"/>
+          <a:chExt cx="0" cy="0"/>
+        </a:xfrm>
+      </p:grpSpPr>
+      <p:sp>
+        <p:nvSpPr>
+          <p:cNvPr id="2" name="Title 1">
+            <a:extLst>
+              <a:ext uri="{FF2B5EF4-FFF2-40B4-BE49-F238E27FC236}">
+                <a16:creationId xmlns:a16="http://schemas.microsoft.com/office/drawing/2014/main" id="{75BEA4FB-26F5-5188-A3B0-600A63E34C65}"/>
+              </a:ext>
+            </a:extLst>
+          </p:cNvPr>
+          <p:cNvSpPr>
+            <a:spLocks noGrp="1"/>
+          </p:cNvSpPr>
+          <p:nvPr>
+            <p:ph type="title"/>
+          </p:nvPr>
+        </p:nvSpPr>
+        <p:spPr/>
+        <p:txBody>
+          <a:bodyPr/>
+          <a:lstStyle/>
+          <a:p>
+            <a:r>
+              <a:rPr lang="en-US" dirty="0"/>
+              <a:t>What to read for next class</a:t>
+            </a:r>
+          </a:p>
+        </p:txBody>
+      </p:sp>
+      <p:sp>
+        <p:nvSpPr>
+          <p:cNvPr id="3" name="Content Placeholder 2">
+            <a:extLst>
+              <a:ext uri="{FF2B5EF4-FFF2-40B4-BE49-F238E27FC236}">
+                <a16:creationId xmlns:a16="http://schemas.microsoft.com/office/drawing/2014/main" id="{6993FAC9-6870-150A-E383-88DA1DE566BE}"/>
+              </a:ext>
+            </a:extLst>
+          </p:cNvPr>
+          <p:cNvSpPr>
+            <a:spLocks noGrp="1"/>
+          </p:cNvSpPr>
+          <p:nvPr>
+            <p:ph idx="1"/>
+          </p:nvPr>
+        </p:nvSpPr>
+        <p:spPr/>
+        <p:txBody>
+          <a:bodyPr/>
+          <a:lstStyle/>
+          <a:p>
+            <a:r>
+              <a:rPr lang="en-US" dirty="0"/>
+              <a:t>The next class will be an introduction to prediction in the brain and in language</a:t>
+            </a:r>
+          </a:p>
+          <a:p>
+            <a:endParaRPr lang="en-US" dirty="0"/>
+          </a:p>
+          <a:p>
+            <a:endParaRPr lang="en-US" dirty="0"/>
+          </a:p>
+          <a:p>
+            <a:r>
+              <a:rPr lang="en-US" dirty="0"/>
+              <a:t>Please read the introductory material before we meet</a:t>
+            </a:r>
+          </a:p>
+          <a:p>
+            <a:endParaRPr lang="en-US" dirty="0"/>
+          </a:p>
+        </p:txBody>
+      </p:sp>
+    </p:spTree>
+    <p:extLst>
+      <p:ext uri="{BB962C8B-B14F-4D97-AF65-F5344CB8AC3E}">
+        <p14:creationId xmlns:p14="http://schemas.microsoft.com/office/powerpoint/2010/main" val="411873892"/>
+      </p:ext>
+    </p:extLst>
+  </p:cSld>
+  <p:clrMapOvr>
+    <a:masterClrMapping/>
+  </p:clrMapOvr>
+</p:sld>
+</file>
+
+<file path=ppt/slides/slide14.xml><?xml version="1.0" encoding="utf-8"?>
+<p:sld xmlns:a="http://schemas.openxmlformats.org/drawingml/2006/main" xmlns:r="http://schemas.openxmlformats.org/officeDocument/2006/relationships" xmlns:p="http://schemas.openxmlformats.org/presentationml/2006/main">
+  <p:cSld>
+    <p:spTree>
+      <p:nvGrpSpPr>
+        <p:cNvPr id="1" name=""/>
+        <p:cNvGrpSpPr/>
+        <p:nvPr/>
+      </p:nvGrpSpPr>
+      <p:grpSpPr>
+        <a:xfrm>
+          <a:off x="0" y="0"/>
+          <a:ext cx="0" cy="0"/>
+          <a:chOff x="0" y="0"/>
+          <a:chExt cx="0" cy="0"/>
+        </a:xfrm>
+      </p:grpSpPr>
+      <p:sp>
+        <p:nvSpPr>
+          <p:cNvPr id="2" name="Title 1">
+            <a:extLst>
+              <a:ext uri="{FF2B5EF4-FFF2-40B4-BE49-F238E27FC236}">
+                <a16:creationId xmlns:a16="http://schemas.microsoft.com/office/drawing/2014/main" id="{BBD6F89D-B4E2-0ACA-5704-B2DE28EBDEF0}"/>
+              </a:ext>
+            </a:extLst>
+          </p:cNvPr>
+          <p:cNvSpPr>
+            <a:spLocks noGrp="1"/>
+          </p:cNvSpPr>
+          <p:nvPr>
+            <p:ph type="title"/>
+          </p:nvPr>
+        </p:nvSpPr>
+        <p:spPr/>
+        <p:txBody>
+          <a:bodyPr/>
+          <a:lstStyle/>
+          <a:p>
+            <a:r>
+              <a:rPr lang="en-US" dirty="0"/>
+              <a:t>Homework: Paper Discussions</a:t>
+            </a:r>
+          </a:p>
+        </p:txBody>
+      </p:sp>
+      <p:sp>
+        <p:nvSpPr>
+          <p:cNvPr id="3" name="Content Placeholder 2">
+            <a:extLst>
+              <a:ext uri="{FF2B5EF4-FFF2-40B4-BE49-F238E27FC236}">
+                <a16:creationId xmlns:a16="http://schemas.microsoft.com/office/drawing/2014/main" id="{CC15CC29-5F32-06D9-D20E-0C136D597FFE}"/>
+              </a:ext>
+            </a:extLst>
+          </p:cNvPr>
+          <p:cNvSpPr>
+            <a:spLocks noGrp="1"/>
+          </p:cNvSpPr>
+          <p:nvPr>
+            <p:ph idx="1"/>
+          </p:nvPr>
+        </p:nvSpPr>
+        <p:spPr/>
+        <p:txBody>
+          <a:bodyPr/>
+          <a:lstStyle/>
+          <a:p>
+            <a:r>
+              <a:rPr lang="en-US" dirty="0"/>
+              <a:t>Choose one of the papers from the list</a:t>
+            </a:r>
+          </a:p>
+          <a:p>
+            <a:endParaRPr lang="en-US" dirty="0"/>
+          </a:p>
+          <a:p>
+            <a:r>
+              <a:rPr lang="en-US" dirty="0"/>
+              <a:t>You’ll have to prepare a short discussion (~10 minutes) about the paper that you’ll present on 22</a:t>
+            </a:r>
+            <a:r>
+              <a:rPr lang="en-US" baseline="30000" dirty="0"/>
+              <a:t>nd</a:t>
+            </a:r>
+            <a:r>
+              <a:rPr lang="en-US" dirty="0"/>
+              <a:t> November.</a:t>
+            </a:r>
+          </a:p>
+          <a:p>
+            <a:endParaRPr lang="en-US" dirty="0"/>
+          </a:p>
+          <a:p>
+            <a:r>
+              <a:rPr lang="en-US" dirty="0"/>
+              <a:t>You will also need to add this to the repository and “push” it so that everyone else can access it.</a:t>
+            </a:r>
+          </a:p>
+        </p:txBody>
+      </p:sp>
+    </p:spTree>
+    <p:extLst>
+      <p:ext uri="{BB962C8B-B14F-4D97-AF65-F5344CB8AC3E}">
+        <p14:creationId xmlns:p14="http://schemas.microsoft.com/office/powerpoint/2010/main" val="447453356"/>
       </p:ext>
     </p:extLst>
   </p:cSld>
@@ -6516,15 +6922,7 @@
             </a:r>
             <a:r>
               <a:rPr lang="en-US" dirty="0"/>
-              <a:t>: </a:t>
-            </a:r>
-            <a:r>
-              <a:rPr lang="en-US" dirty="0" err="1"/>
-              <a:t>OpenSesame</a:t>
-            </a:r>
-            <a:r>
-              <a:rPr lang="en-US" dirty="0"/>
-              <a:t> Intro</a:t>
+              <a:t>: Paper Discussions</a:t>
             </a:r>
           </a:p>
           <a:p>
@@ -6905,6 +7303,16 @@
             <a:pPr lvl="1"/>
             <a:endParaRPr lang="en-US" dirty="0"/>
           </a:p>
+          <a:p>
+            <a:r>
+              <a:rPr lang="en-US" dirty="0"/>
+              <a:t>We will use this to make sure we are all working with the same files, even if they’re being edited by multiple people</a:t>
+            </a:r>
+          </a:p>
+          <a:p>
+            <a:pPr lvl="1"/>
+            <a:endParaRPr lang="en-US" dirty="0"/>
+          </a:p>
         </p:txBody>
       </p:sp>
     </p:spTree>
@@ -7055,8 +7463,20 @@
           <a:p>
             <a:pPr lvl="1"/>
             <a:r>
-              <a:rPr lang="en-US" dirty="0"/>
+              <a:rPr lang="en-US" dirty="0">
+                <a:hlinkClick r:id="rId2"/>
+              </a:rPr>
               <a:t>https://github.com/allisoct/ETLR23-24</a:t>
+            </a:r>
+            <a:endParaRPr lang="en-US" dirty="0"/>
+          </a:p>
+          <a:p>
+            <a:endParaRPr lang="en-US" dirty="0"/>
+          </a:p>
+          <a:p>
+            <a:r>
+              <a:rPr lang="en-US" dirty="0"/>
+              <a:t>We will use this to store our files online in a place accessible to everyone</a:t>
             </a:r>
           </a:p>
         </p:txBody>
@@ -7076,7 +7496,7 @@
           <p:nvPr/>
         </p:nvPicPr>
         <p:blipFill>
-          <a:blip r:embed="rId2">
+          <a:blip r:embed="rId3">
             <a:extLst>
               <a:ext uri="{28A0092B-C50C-407E-A947-70E740481C1C}">
                 <a14:useLocalDpi xmlns:a14="http://schemas.microsoft.com/office/drawing/2010/main" val="0"/>
@@ -7325,6 +7745,15 @@
               <a:t>You can use this to “pull” any new updates to the course materials and to “push” your own work (later)</a:t>
             </a:r>
           </a:p>
+          <a:p>
+            <a:endParaRPr lang="en-US" dirty="0"/>
+          </a:p>
+          <a:p>
+            <a:r>
+              <a:rPr lang="en-US" dirty="0"/>
+              <a:t>We will use this to modify the files we have stored, while Git makes sure that everyone keeps the same set of files</a:t>
+            </a:r>
+          </a:p>
         </p:txBody>
       </p:sp>
     </p:spTree>
@@ -7341,6 +7770,133 @@
 </file>
 
 <file path=ppt/slides/slide7.xml><?xml version="1.0" encoding="utf-8"?>
+<p:sld xmlns:a="http://schemas.openxmlformats.org/drawingml/2006/main" xmlns:r="http://schemas.openxmlformats.org/officeDocument/2006/relationships" xmlns:p="http://schemas.openxmlformats.org/presentationml/2006/main">
+  <p:cSld>
+    <p:spTree>
+      <p:nvGrpSpPr>
+        <p:cNvPr id="1" name=""/>
+        <p:cNvGrpSpPr/>
+        <p:nvPr/>
+      </p:nvGrpSpPr>
+      <p:grpSpPr>
+        <a:xfrm>
+          <a:off x="0" y="0"/>
+          <a:ext cx="0" cy="0"/>
+          <a:chOff x="0" y="0"/>
+          <a:chExt cx="0" cy="0"/>
+        </a:xfrm>
+      </p:grpSpPr>
+      <p:sp>
+        <p:nvSpPr>
+          <p:cNvPr id="2" name="Title 1">
+            <a:extLst>
+              <a:ext uri="{FF2B5EF4-FFF2-40B4-BE49-F238E27FC236}">
+                <a16:creationId xmlns:a16="http://schemas.microsoft.com/office/drawing/2014/main" id="{B1052E97-48D2-ED32-DC50-05F63C92B78A}"/>
+              </a:ext>
+            </a:extLst>
+          </p:cNvPr>
+          <p:cNvSpPr>
+            <a:spLocks noGrp="1"/>
+          </p:cNvSpPr>
+          <p:nvPr>
+            <p:ph type="title"/>
+          </p:nvPr>
+        </p:nvSpPr>
+        <p:spPr/>
+        <p:txBody>
+          <a:bodyPr/>
+          <a:lstStyle/>
+          <a:p>
+            <a:r>
+              <a:rPr lang="en-US" dirty="0"/>
+              <a:t>Git, </a:t>
+            </a:r>
+            <a:r>
+              <a:rPr lang="en-US" dirty="0" err="1"/>
+              <a:t>Github</a:t>
+            </a:r>
+            <a:r>
+              <a:rPr lang="en-US" dirty="0"/>
+              <a:t>, and </a:t>
+            </a:r>
+            <a:r>
+              <a:rPr lang="en-US" dirty="0" err="1"/>
+              <a:t>Github</a:t>
+            </a:r>
+            <a:r>
+              <a:rPr lang="en-US" dirty="0"/>
+              <a:t> Desktop</a:t>
+            </a:r>
+          </a:p>
+        </p:txBody>
+      </p:sp>
+      <p:sp>
+        <p:nvSpPr>
+          <p:cNvPr id="3" name="Content Placeholder 2">
+            <a:extLst>
+              <a:ext uri="{FF2B5EF4-FFF2-40B4-BE49-F238E27FC236}">
+                <a16:creationId xmlns:a16="http://schemas.microsoft.com/office/drawing/2014/main" id="{1B901AC4-435C-387F-A6E9-9FC9955DDBF3}"/>
+              </a:ext>
+            </a:extLst>
+          </p:cNvPr>
+          <p:cNvSpPr>
+            <a:spLocks noGrp="1"/>
+          </p:cNvSpPr>
+          <p:nvPr>
+            <p:ph idx="1"/>
+          </p:nvPr>
+        </p:nvSpPr>
+        <p:spPr/>
+        <p:txBody>
+          <a:bodyPr/>
+          <a:lstStyle/>
+          <a:p>
+            <a:r>
+              <a:rPr lang="en-US" dirty="0" err="1"/>
+              <a:t>Github</a:t>
+            </a:r>
+            <a:r>
+              <a:rPr lang="en-US" dirty="0"/>
+              <a:t> Desktop workflow</a:t>
+            </a:r>
+          </a:p>
+          <a:p>
+            <a:pPr lvl="1"/>
+            <a:r>
+              <a:rPr lang="en-US" dirty="0"/>
+              <a:t>Fetch: Make sure your version of the repository is up to date</a:t>
+            </a:r>
+          </a:p>
+          <a:p>
+            <a:pPr lvl="1"/>
+            <a:r>
+              <a:rPr lang="en-US" dirty="0"/>
+              <a:t>Commit: Submit your changes along with a summary</a:t>
+            </a:r>
+          </a:p>
+          <a:p>
+            <a:pPr lvl="1"/>
+            <a:r>
+              <a:rPr lang="en-US" dirty="0"/>
+              <a:t>Push: Send those changes to everyone else so that they can fetch them</a:t>
+            </a:r>
+          </a:p>
+        </p:txBody>
+      </p:sp>
+    </p:spTree>
+    <p:extLst>
+      <p:ext uri="{BB962C8B-B14F-4D97-AF65-F5344CB8AC3E}">
+        <p14:creationId xmlns:p14="http://schemas.microsoft.com/office/powerpoint/2010/main" val="3562430859"/>
+      </p:ext>
+    </p:extLst>
+  </p:cSld>
+  <p:clrMapOvr>
+    <a:masterClrMapping/>
+  </p:clrMapOvr>
+</p:sld>
+</file>
+
+<file path=ppt/slides/slide8.xml><?xml version="1.0" encoding="utf-8"?>
 <p:sld xmlns:a="http://schemas.openxmlformats.org/drawingml/2006/main" xmlns:r="http://schemas.openxmlformats.org/officeDocument/2006/relationships" xmlns:p="http://schemas.openxmlformats.org/presentationml/2006/main">
   <p:cSld>
     <p:bg>
@@ -7500,9 +8056,12 @@
             </a:r>
           </a:p>
           <a:p>
-            <a:r>
-              <a:rPr lang="en-US" dirty="0"/>
-              <a:t>This is what we will use to run our experiment</a:t>
+            <a:endParaRPr lang="en-US" dirty="0"/>
+          </a:p>
+          <a:p>
+            <a:r>
+              <a:rPr lang="en-US" dirty="0"/>
+              <a:t>We will use this to create and run our experiment</a:t>
             </a:r>
           </a:p>
           <a:p>
@@ -7523,7 +8082,7 @@
 </p:sld>
 </file>
 
-<file path=ppt/slides/slide8.xml><?xml version="1.0" encoding="utf-8"?>
+<file path=ppt/slides/slide9.xml><?xml version="1.0" encoding="utf-8"?>
 <p:sld xmlns:a="http://schemas.openxmlformats.org/drawingml/2006/main" xmlns:r="http://schemas.openxmlformats.org/officeDocument/2006/relationships" xmlns:p="http://schemas.openxmlformats.org/presentationml/2006/main">
   <p:cSld>
     <p:bg>
@@ -7689,6 +8248,16 @@
             <a:endParaRPr lang="en-US" dirty="0"/>
           </a:p>
           <a:p>
+            <a:r>
+              <a:rPr lang="en-US" dirty="0"/>
+              <a:t>We will use this language to deal with our data</a:t>
+            </a:r>
+          </a:p>
+          <a:p>
+            <a:pPr lvl="1"/>
+            <a:endParaRPr lang="en-US" dirty="0"/>
+          </a:p>
+          <a:p>
             <a:endParaRPr lang="en-US" dirty="0"/>
           </a:p>
         </p:txBody>
@@ -7697,186 +8266,6 @@
     <p:extLst>
       <p:ext uri="{BB962C8B-B14F-4D97-AF65-F5344CB8AC3E}">
         <p14:creationId xmlns:p14="http://schemas.microsoft.com/office/powerpoint/2010/main" val="162112733"/>
-      </p:ext>
-    </p:extLst>
-  </p:cSld>
-  <p:clrMapOvr>
-    <a:masterClrMapping/>
-  </p:clrMapOvr>
-</p:sld>
-</file>
-
-<file path=ppt/slides/slide9.xml><?xml version="1.0" encoding="utf-8"?>
-<p:sld xmlns:a="http://schemas.openxmlformats.org/drawingml/2006/main" xmlns:r="http://schemas.openxmlformats.org/officeDocument/2006/relationships" xmlns:p="http://schemas.openxmlformats.org/presentationml/2006/main">
-  <p:cSld>
-    <p:bg>
-      <p:bgPr>
-        <a:solidFill>
-          <a:schemeClr val="bg2"/>
-        </a:solidFill>
-        <a:effectLst/>
-      </p:bgPr>
-    </p:bg>
-    <p:spTree>
-      <p:nvGrpSpPr>
-        <p:cNvPr id="1" name=""/>
-        <p:cNvGrpSpPr/>
-        <p:nvPr/>
-      </p:nvGrpSpPr>
-      <p:grpSpPr>
-        <a:xfrm>
-          <a:off x="0" y="0"/>
-          <a:ext cx="0" cy="0"/>
-          <a:chOff x="0" y="0"/>
-          <a:chExt cx="0" cy="0"/>
-        </a:xfrm>
-      </p:grpSpPr>
-      <p:pic>
-        <p:nvPicPr>
-          <p:cNvPr id="5122" name="Picture 2" descr="RStudio | DigitalOcean Marketplace 1-Click App">
-            <a:extLst>
-              <a:ext uri="{FF2B5EF4-FFF2-40B4-BE49-F238E27FC236}">
-                <a16:creationId xmlns:a16="http://schemas.microsoft.com/office/drawing/2014/main" id="{4258FB78-820E-3173-33C9-F44A4E40C25A}"/>
-              </a:ext>
-            </a:extLst>
-          </p:cNvPr>
-          <p:cNvPicPr>
-            <a:picLocks noChangeAspect="1" noChangeArrowheads="1"/>
-          </p:cNvPicPr>
-          <p:nvPr/>
-        </p:nvPicPr>
-        <p:blipFill>
-          <a:blip r:embed="rId2">
-            <a:extLst>
-              <a:ext uri="{28A0092B-C50C-407E-A947-70E740481C1C}">
-                <a14:useLocalDpi xmlns:a14="http://schemas.microsoft.com/office/drawing/2010/main" val="0"/>
-              </a:ext>
-            </a:extLst>
-          </a:blip>
-          <a:srcRect/>
-          <a:stretch>
-            <a:fillRect/>
-          </a:stretch>
-        </p:blipFill>
-        <p:spPr bwMode="auto">
-          <a:xfrm>
-            <a:off x="8459035" y="2828041"/>
-            <a:ext cx="2914252" cy="2938708"/>
-          </a:xfrm>
-          <a:prstGeom prst="rect">
-            <a:avLst/>
-          </a:prstGeom>
-          <a:noFill/>
-          <a:extLst>
-            <a:ext uri="{909E8E84-426E-40DD-AFC4-6F175D3DCCD1}">
-              <a14:hiddenFill xmlns:a14="http://schemas.microsoft.com/office/drawing/2010/main">
-                <a:solidFill>
-                  <a:srgbClr val="FFFFFF"/>
-                </a:solidFill>
-              </a14:hiddenFill>
-            </a:ext>
-          </a:extLst>
-        </p:spPr>
-      </p:pic>
-      <p:sp>
-        <p:nvSpPr>
-          <p:cNvPr id="2" name="Title 1">
-            <a:extLst>
-              <a:ext uri="{FF2B5EF4-FFF2-40B4-BE49-F238E27FC236}">
-                <a16:creationId xmlns:a16="http://schemas.microsoft.com/office/drawing/2014/main" id="{F625DD6D-63BE-449E-7910-B84CE3F677BE}"/>
-              </a:ext>
-            </a:extLst>
-          </p:cNvPr>
-          <p:cNvSpPr>
-            <a:spLocks noGrp="1"/>
-          </p:cNvSpPr>
-          <p:nvPr>
-            <p:ph type="title"/>
-          </p:nvPr>
-        </p:nvSpPr>
-        <p:spPr>
-          <a:xfrm>
-            <a:off x="810000" y="447188"/>
-            <a:ext cx="10571998" cy="970450"/>
-          </a:xfrm>
-        </p:spPr>
-        <p:txBody>
-          <a:bodyPr>
-            <a:normAutofit/>
-          </a:bodyPr>
-          <a:lstStyle/>
-          <a:p>
-            <a:r>
-              <a:rPr lang="en-US" dirty="0"/>
-              <a:t>R and RStudio</a:t>
-            </a:r>
-          </a:p>
-        </p:txBody>
-      </p:sp>
-      <p:sp>
-        <p:nvSpPr>
-          <p:cNvPr id="3" name="Content Placeholder 2">
-            <a:extLst>
-              <a:ext uri="{FF2B5EF4-FFF2-40B4-BE49-F238E27FC236}">
-                <a16:creationId xmlns:a16="http://schemas.microsoft.com/office/drawing/2014/main" id="{9B4E437D-FCA7-7B80-8DA4-C04B07E9E7B9}"/>
-              </a:ext>
-            </a:extLst>
-          </p:cNvPr>
-          <p:cNvSpPr>
-            <a:spLocks noGrp="1"/>
-          </p:cNvSpPr>
-          <p:nvPr>
-            <p:ph idx="1"/>
-          </p:nvPr>
-        </p:nvSpPr>
-        <p:spPr>
-          <a:xfrm>
-            <a:off x="818713" y="2413000"/>
-            <a:ext cx="7199220" cy="3632200"/>
-          </a:xfrm>
-        </p:spPr>
-        <p:txBody>
-          <a:bodyPr>
-            <a:normAutofit/>
-          </a:bodyPr>
-          <a:lstStyle/>
-          <a:p>
-            <a:r>
-              <a:rPr lang="en-US" dirty="0" err="1"/>
-              <a:t>Rstudio</a:t>
-            </a:r>
-            <a:endParaRPr lang="en-US" dirty="0"/>
-          </a:p>
-          <a:p>
-            <a:pPr lvl="1"/>
-            <a:r>
-              <a:rPr lang="en-US" dirty="0"/>
-              <a:t>Development environment for R</a:t>
-            </a:r>
-          </a:p>
-          <a:p>
-            <a:pPr lvl="1"/>
-            <a:r>
-              <a:rPr lang="en-US" dirty="0"/>
-              <a:t>This is how we will use R to interact with our data</a:t>
-            </a:r>
-          </a:p>
-          <a:p>
-            <a:endParaRPr lang="en-US" dirty="0"/>
-          </a:p>
-          <a:p>
-            <a:pPr lvl="1"/>
-            <a:endParaRPr lang="en-US" dirty="0"/>
-          </a:p>
-          <a:p>
-            <a:endParaRPr lang="en-US" dirty="0"/>
-          </a:p>
-        </p:txBody>
-      </p:sp>
-    </p:spTree>
-    <p:extLst>
-      <p:ext uri="{BB962C8B-B14F-4D97-AF65-F5344CB8AC3E}">
-        <p14:creationId xmlns:p14="http://schemas.microsoft.com/office/powerpoint/2010/main" val="4068023223"/>
       </p:ext>
     </p:extLst>
   </p:cSld>

--- a/slides/Day1.pptx
+++ b/slides/Day1.pptx
@@ -220,7 +220,7 @@
           <a:effectLst/>
           <a:extLst>
             <a:ext uri="{91240B29-F687-4f45-9708-019B960494DF}">
-              <a14:hiddenLine xmlns:a14="http://schemas.microsoft.com/office/drawing/2010/main" xmlns="" w="9525">
+              <a14:hiddenLine xmlns="" xmlns:a14="http://schemas.microsoft.com/office/drawing/2010/main" w="9525">
                 <a:solidFill>
                   <a:srgbClr val="000000"/>
                 </a:solidFill>
@@ -1742,7 +1742,7 @@
           <a:ln/>
           <a:extLst>
             <a:ext uri="{91240B29-F687-4f45-9708-019B960494DF}">
-              <a14:hiddenLine xmlns:a14="http://schemas.microsoft.com/office/drawing/2010/main" xmlns="" w="9525">
+              <a14:hiddenLine xmlns="" xmlns:a14="http://schemas.microsoft.com/office/drawing/2010/main" w="9525">
                 <a:solidFill>
                   <a:srgbClr val="000000"/>
                 </a:solidFill>
@@ -2017,7 +2017,7 @@
           <a:ln/>
           <a:extLst>
             <a:ext uri="{91240B29-F687-4f45-9708-019B960494DF}">
-              <a14:hiddenLine xmlns:a14="http://schemas.microsoft.com/office/drawing/2010/main" xmlns="" w="9525">
+              <a14:hiddenLine xmlns="" xmlns:a14="http://schemas.microsoft.com/office/drawing/2010/main" w="9525">
                 <a:solidFill>
                   <a:srgbClr val="000000"/>
                 </a:solidFill>
@@ -2300,7 +2300,7 @@
           <a:ln/>
           <a:extLst>
             <a:ext uri="{91240B29-F687-4f45-9708-019B960494DF}">
-              <a14:hiddenLine xmlns:a14="http://schemas.microsoft.com/office/drawing/2010/main" xmlns="" w="9525">
+              <a14:hiddenLine xmlns="" xmlns:a14="http://schemas.microsoft.com/office/drawing/2010/main" w="9525">
                 <a:solidFill>
                   <a:srgbClr val="000000"/>
                 </a:solidFill>
@@ -2926,7 +2926,7 @@
           <a:ln/>
           <a:extLst>
             <a:ext uri="{91240B29-F687-4f45-9708-019B960494DF}">
-              <a14:hiddenLine xmlns:a14="http://schemas.microsoft.com/office/drawing/2010/main" xmlns="" w="9525">
+              <a14:hiddenLine xmlns="" xmlns:a14="http://schemas.microsoft.com/office/drawing/2010/main" w="9525">
                 <a:solidFill>
                   <a:srgbClr val="000000"/>
                 </a:solidFill>
@@ -3265,7 +3265,7 @@
           <a:ln/>
           <a:extLst>
             <a:ext uri="{91240B29-F687-4f45-9708-019B960494DF}">
-              <a14:hiddenLine xmlns:a14="http://schemas.microsoft.com/office/drawing/2010/main" xmlns="" w="9525">
+              <a14:hiddenLine xmlns="" xmlns:a14="http://schemas.microsoft.com/office/drawing/2010/main" w="9525">
                 <a:solidFill>
                   <a:srgbClr val="000000"/>
                 </a:solidFill>
@@ -3742,7 +3742,7 @@
           <a:ln/>
           <a:extLst>
             <a:ext uri="{91240B29-F687-4f45-9708-019B960494DF}">
-              <a14:hiddenLine xmlns:a14="http://schemas.microsoft.com/office/drawing/2010/main" xmlns="" w="9525">
+              <a14:hiddenLine xmlns="" xmlns:a14="http://schemas.microsoft.com/office/drawing/2010/main" w="9525">
                 <a:solidFill>
                   <a:srgbClr val="000000"/>
                 </a:solidFill>
@@ -4171,7 +4171,7 @@
           <a:ln/>
           <a:extLst>
             <a:ext uri="{91240B29-F687-4f45-9708-019B960494DF}">
-              <a14:hiddenLine xmlns:a14="http://schemas.microsoft.com/office/drawing/2010/main" xmlns="" w="9525">
+              <a14:hiddenLine xmlns="" xmlns:a14="http://schemas.microsoft.com/office/drawing/2010/main" w="9525">
                 <a:solidFill>
                   <a:srgbClr val="000000"/>
                 </a:solidFill>
@@ -5984,7 +5984,7 @@
           <a:effectLst/>
           <a:extLst>
             <a:ext uri="{91240B29-F687-4f45-9708-019B960494DF}">
-              <a14:hiddenLine xmlns="" xmlns:a14="http://schemas.microsoft.com/office/drawing/2010/main" xmlns:p14="http://schemas.microsoft.com/office/powerpoint/2010/main" xmlns:a16="http://schemas.microsoft.com/office/drawing/2014/main" w="9525">
+              <a14:hiddenLine xmlns:a16="http://schemas.microsoft.com/office/drawing/2014/main" xmlns:p14="http://schemas.microsoft.com/office/powerpoint/2010/main" xmlns:a14="http://schemas.microsoft.com/office/drawing/2010/main" xmlns="" w="9525">
                 <a:solidFill>
                   <a:srgbClr val="000000"/>
                 </a:solidFill>
@@ -6438,7 +6438,7 @@
           <a:effectLst/>
           <a:extLst>
             <a:ext uri="{91240B29-F687-4f45-9708-019B960494DF}">
-              <a14:hiddenLine xmlns="" xmlns:a14="http://schemas.microsoft.com/office/drawing/2010/main" xmlns:p14="http://schemas.microsoft.com/office/powerpoint/2010/main" xmlns:a16="http://schemas.microsoft.com/office/drawing/2014/main" w="9525">
+              <a14:hiddenLine xmlns:a16="http://schemas.microsoft.com/office/drawing/2014/main" xmlns:p14="http://schemas.microsoft.com/office/powerpoint/2010/main" xmlns:a14="http://schemas.microsoft.com/office/drawing/2010/main" xmlns="" w="9525">
                 <a:solidFill>
                   <a:srgbClr val="000000"/>
                 </a:solidFill>

--- a/slides/Day1.pptx
+++ b/slides/Day1.pptx
@@ -220,7 +220,7 @@
           <a:effectLst/>
           <a:extLst>
             <a:ext uri="{91240B29-F687-4f45-9708-019B960494DF}">
-              <a14:hiddenLine xmlns="" xmlns:a14="http://schemas.microsoft.com/office/drawing/2010/main" w="9525">
+              <a14:hiddenLine xmlns:a14="http://schemas.microsoft.com/office/drawing/2010/main" xmlns="" w="9525">
                 <a:solidFill>
                   <a:srgbClr val="000000"/>
                 </a:solidFill>
@@ -412,7 +412,7 @@
           <a:p>
             <a:fld id="{3FCA6BAC-FA03-4867-A248-B136F1FCECE1}" type="datetimeFigureOut">
               <a:rPr lang="en-US" smtClean="0"/>
-              <a:t>10/18/2023</a:t>
+              <a:t>10/19/2023</a:t>
             </a:fld>
             <a:endParaRPr lang="en-US"/>
           </a:p>
@@ -730,7 +730,7 @@
           <a:p>
             <a:fld id="{3FCA6BAC-FA03-4867-A248-B136F1FCECE1}" type="datetimeFigureOut">
               <a:rPr lang="en-US" smtClean="0"/>
-              <a:t>10/18/2023</a:t>
+              <a:t>10/19/2023</a:t>
             </a:fld>
             <a:endParaRPr lang="en-US"/>
           </a:p>
@@ -1218,7 +1218,7 @@
           <a:p>
             <a:fld id="{3FCA6BAC-FA03-4867-A248-B136F1FCECE1}" type="datetimeFigureOut">
               <a:rPr lang="en-US" smtClean="0"/>
-              <a:t>10/18/2023</a:t>
+              <a:t>10/19/2023</a:t>
             </a:fld>
             <a:endParaRPr lang="en-US"/>
           </a:p>
@@ -1587,7 +1587,7 @@
           <a:p>
             <a:fld id="{3FCA6BAC-FA03-4867-A248-B136F1FCECE1}" type="datetimeFigureOut">
               <a:rPr lang="en-US" smtClean="0"/>
-              <a:t>10/18/2023</a:t>
+              <a:t>10/19/2023</a:t>
             </a:fld>
             <a:endParaRPr lang="en-US"/>
           </a:p>
@@ -1742,7 +1742,7 @@
           <a:ln/>
           <a:extLst>
             <a:ext uri="{91240B29-F687-4f45-9708-019B960494DF}">
-              <a14:hiddenLine xmlns="" xmlns:a14="http://schemas.microsoft.com/office/drawing/2010/main" w="9525">
+              <a14:hiddenLine xmlns:a14="http://schemas.microsoft.com/office/drawing/2010/main" xmlns="" w="9525">
                 <a:solidFill>
                   <a:srgbClr val="000000"/>
                 </a:solidFill>
@@ -1860,7 +1860,7 @@
           <a:p>
             <a:fld id="{3FCA6BAC-FA03-4867-A248-B136F1FCECE1}" type="datetimeFigureOut">
               <a:rPr lang="en-US" smtClean="0"/>
-              <a:t>10/18/2023</a:t>
+              <a:t>10/19/2023</a:t>
             </a:fld>
             <a:endParaRPr lang="en-US"/>
           </a:p>
@@ -2017,7 +2017,7 @@
           <a:ln/>
           <a:extLst>
             <a:ext uri="{91240B29-F687-4f45-9708-019B960494DF}">
-              <a14:hiddenLine xmlns="" xmlns:a14="http://schemas.microsoft.com/office/drawing/2010/main" w="9525">
+              <a14:hiddenLine xmlns:a14="http://schemas.microsoft.com/office/drawing/2010/main" xmlns="" w="9525">
                 <a:solidFill>
                   <a:srgbClr val="000000"/>
                 </a:solidFill>
@@ -2145,7 +2145,7 @@
           <a:p>
             <a:fld id="{3FCA6BAC-FA03-4867-A248-B136F1FCECE1}" type="datetimeFigureOut">
               <a:rPr lang="en-US" smtClean="0"/>
-              <a:t>10/18/2023</a:t>
+              <a:t>10/19/2023</a:t>
             </a:fld>
             <a:endParaRPr lang="en-US"/>
           </a:p>
@@ -2300,7 +2300,7 @@
           <a:ln/>
           <a:extLst>
             <a:ext uri="{91240B29-F687-4f45-9708-019B960494DF}">
-              <a14:hiddenLine xmlns="" xmlns:a14="http://schemas.microsoft.com/office/drawing/2010/main" w="9525">
+              <a14:hiddenLine xmlns:a14="http://schemas.microsoft.com/office/drawing/2010/main" xmlns="" w="9525">
                 <a:solidFill>
                   <a:srgbClr val="000000"/>
                 </a:solidFill>
@@ -2428,7 +2428,7 @@
           <a:p>
             <a:fld id="{3FCA6BAC-FA03-4867-A248-B136F1FCECE1}" type="datetimeFigureOut">
               <a:rPr lang="en-US" smtClean="0"/>
-              <a:t>10/18/2023</a:t>
+              <a:t>10/19/2023</a:t>
             </a:fld>
             <a:endParaRPr lang="en-US"/>
           </a:p>
@@ -2771,7 +2771,7 @@
           <a:p>
             <a:fld id="{3FCA6BAC-FA03-4867-A248-B136F1FCECE1}" type="datetimeFigureOut">
               <a:rPr lang="en-US" smtClean="0"/>
-              <a:t>10/18/2023</a:t>
+              <a:t>10/19/2023</a:t>
             </a:fld>
             <a:endParaRPr lang="en-US"/>
           </a:p>
@@ -2926,7 +2926,7 @@
           <a:ln/>
           <a:extLst>
             <a:ext uri="{91240B29-F687-4f45-9708-019B960494DF}">
-              <a14:hiddenLine xmlns="" xmlns:a14="http://schemas.microsoft.com/office/drawing/2010/main" w="9525">
+              <a14:hiddenLine xmlns:a14="http://schemas.microsoft.com/office/drawing/2010/main" xmlns="" w="9525">
                 <a:solidFill>
                   <a:srgbClr val="000000"/>
                 </a:solidFill>
@@ -3110,7 +3110,7 @@
           <a:p>
             <a:fld id="{3FCA6BAC-FA03-4867-A248-B136F1FCECE1}" type="datetimeFigureOut">
               <a:rPr lang="en-US" smtClean="0"/>
-              <a:t>10/18/2023</a:t>
+              <a:t>10/19/2023</a:t>
             </a:fld>
             <a:endParaRPr lang="en-US"/>
           </a:p>
@@ -3265,7 +3265,7 @@
           <a:ln/>
           <a:extLst>
             <a:ext uri="{91240B29-F687-4f45-9708-019B960494DF}">
-              <a14:hiddenLine xmlns="" xmlns:a14="http://schemas.microsoft.com/office/drawing/2010/main" w="9525">
+              <a14:hiddenLine xmlns:a14="http://schemas.microsoft.com/office/drawing/2010/main" xmlns="" w="9525">
                 <a:solidFill>
                   <a:srgbClr val="000000"/>
                 </a:solidFill>
@@ -3587,7 +3587,7 @@
           <a:p>
             <a:fld id="{3FCA6BAC-FA03-4867-A248-B136F1FCECE1}" type="datetimeFigureOut">
               <a:rPr lang="en-US" smtClean="0"/>
-              <a:t>10/18/2023</a:t>
+              <a:t>10/19/2023</a:t>
             </a:fld>
             <a:endParaRPr lang="en-US"/>
           </a:p>
@@ -3742,7 +3742,7 @@
           <a:ln/>
           <a:extLst>
             <a:ext uri="{91240B29-F687-4f45-9708-019B960494DF}">
-              <a14:hiddenLine xmlns="" xmlns:a14="http://schemas.microsoft.com/office/drawing/2010/main" w="9525">
+              <a14:hiddenLine xmlns:a14="http://schemas.microsoft.com/office/drawing/2010/main" xmlns="" w="9525">
                 <a:solidFill>
                   <a:srgbClr val="000000"/>
                 </a:solidFill>
@@ -3808,7 +3808,7 @@
           <a:p>
             <a:fld id="{3FCA6BAC-FA03-4867-A248-B136F1FCECE1}" type="datetimeFigureOut">
               <a:rPr lang="en-US" smtClean="0"/>
-              <a:t>10/18/2023</a:t>
+              <a:t>10/19/2023</a:t>
             </a:fld>
             <a:endParaRPr lang="en-US"/>
           </a:p>
@@ -3903,7 +3903,7 @@
           <a:p>
             <a:fld id="{3FCA6BAC-FA03-4867-A248-B136F1FCECE1}" type="datetimeFigureOut">
               <a:rPr lang="en-US" smtClean="0"/>
-              <a:t>10/18/2023</a:t>
+              <a:t>10/19/2023</a:t>
             </a:fld>
             <a:endParaRPr lang="en-US"/>
           </a:p>
@@ -4171,7 +4171,7 @@
           <a:ln/>
           <a:extLst>
             <a:ext uri="{91240B29-F687-4f45-9708-019B960494DF}">
-              <a14:hiddenLine xmlns="" xmlns:a14="http://schemas.microsoft.com/office/drawing/2010/main" w="9525">
+              <a14:hiddenLine xmlns:a14="http://schemas.microsoft.com/office/drawing/2010/main" xmlns="" w="9525">
                 <a:solidFill>
                   <a:srgbClr val="000000"/>
                 </a:solidFill>
@@ -4370,7 +4370,7 @@
           <a:p>
             <a:fld id="{3FCA6BAC-FA03-4867-A248-B136F1FCECE1}" type="datetimeFigureOut">
               <a:rPr lang="en-US" smtClean="0"/>
-              <a:t>10/18/2023</a:t>
+              <a:t>10/19/2023</a:t>
             </a:fld>
             <a:endParaRPr lang="en-US"/>
           </a:p>
@@ -4683,7 +4683,7 @@
           <a:p>
             <a:fld id="{3FCA6BAC-FA03-4867-A248-B136F1FCECE1}" type="datetimeFigureOut">
               <a:rPr lang="en-US" smtClean="0"/>
-              <a:t>10/18/2023</a:t>
+              <a:t>10/19/2023</a:t>
             </a:fld>
             <a:endParaRPr lang="en-US"/>
           </a:p>
@@ -4953,7 +4953,7 @@
           <a:p>
             <a:fld id="{3FCA6BAC-FA03-4867-A248-B136F1FCECE1}" type="datetimeFigureOut">
               <a:rPr lang="en-US" smtClean="0"/>
-              <a:t>10/18/2023</a:t>
+              <a:t>10/19/2023</a:t>
             </a:fld>
             <a:endParaRPr lang="en-US"/>
           </a:p>
@@ -5984,7 +5984,7 @@
           <a:effectLst/>
           <a:extLst>
             <a:ext uri="{91240B29-F687-4f45-9708-019B960494DF}">
-              <a14:hiddenLine xmlns:a16="http://schemas.microsoft.com/office/drawing/2014/main" xmlns:p14="http://schemas.microsoft.com/office/powerpoint/2010/main" xmlns:a14="http://schemas.microsoft.com/office/drawing/2010/main" xmlns="" w="9525">
+              <a14:hiddenLine xmlns="" xmlns:a14="http://schemas.microsoft.com/office/drawing/2010/main" xmlns:p14="http://schemas.microsoft.com/office/powerpoint/2010/main" xmlns:a16="http://schemas.microsoft.com/office/drawing/2014/main" w="9525">
                 <a:solidFill>
                   <a:srgbClr val="000000"/>
                 </a:solidFill>
@@ -6438,7 +6438,7 @@
           <a:effectLst/>
           <a:extLst>
             <a:ext uri="{91240B29-F687-4f45-9708-019B960494DF}">
-              <a14:hiddenLine xmlns:a16="http://schemas.microsoft.com/office/drawing/2014/main" xmlns:p14="http://schemas.microsoft.com/office/powerpoint/2010/main" xmlns:a14="http://schemas.microsoft.com/office/drawing/2010/main" xmlns="" w="9525">
+              <a14:hiddenLine xmlns="" xmlns:a14="http://schemas.microsoft.com/office/drawing/2010/main" xmlns:p14="http://schemas.microsoft.com/office/powerpoint/2010/main" xmlns:a16="http://schemas.microsoft.com/office/drawing/2014/main" w="9525">
                 <a:solidFill>
                   <a:srgbClr val="000000"/>
                 </a:solidFill>
@@ -6675,6 +6675,13 @@
             </a:r>
           </a:p>
           <a:p>
+            <a:pPr lvl="1"/>
+            <a:r>
+              <a:rPr lang="en-US" dirty="0"/>
+              <a:t>Intro Papers folder</a:t>
+            </a:r>
+          </a:p>
+          <a:p>
             <a:endParaRPr lang="en-US" dirty="0"/>
           </a:p>
         </p:txBody>
@@ -6786,7 +6793,28 @@
           <a:p>
             <a:r>
               <a:rPr lang="en-US" dirty="0"/>
-              <a:t>You will also need to add this to the repository and “push” it so that everyone else can access it.</a:t>
+              <a:t>Git exercise:</a:t>
+            </a:r>
+          </a:p>
+          <a:p>
+            <a:pPr lvl="1"/>
+            <a:r>
+              <a:rPr lang="en-US" dirty="0"/>
+              <a:t>Create a folder with your name</a:t>
+            </a:r>
+          </a:p>
+          <a:p>
+            <a:pPr lvl="1"/>
+            <a:r>
+              <a:rPr lang="en-US" dirty="0"/>
+              <a:t>Put the paper you choose in that folder</a:t>
+            </a:r>
+          </a:p>
+          <a:p>
+            <a:pPr lvl="1"/>
+            <a:r>
+              <a:rPr lang="en-US" dirty="0"/>
+              <a:t>Push these changes to the repository</a:t>
             </a:r>
           </a:p>
         </p:txBody>

--- a/slides/Day1.pptx
+++ b/slides/Day1.pptx
@@ -220,7 +220,7 @@
           <a:effectLst/>
           <a:extLst>
             <a:ext uri="{91240B29-F687-4f45-9708-019B960494DF}">
-              <a14:hiddenLine xmlns:a14="http://schemas.microsoft.com/office/drawing/2010/main" xmlns="" w="9525">
+              <a14:hiddenLine xmlns="" xmlns:a14="http://schemas.microsoft.com/office/drawing/2010/main" w="9525">
                 <a:solidFill>
                   <a:srgbClr val="000000"/>
                 </a:solidFill>
@@ -412,7 +412,7 @@
           <a:p>
             <a:fld id="{3FCA6BAC-FA03-4867-A248-B136F1FCECE1}" type="datetimeFigureOut">
               <a:rPr lang="en-US" smtClean="0"/>
-              <a:t>10/19/2023</a:t>
+              <a:t>10/23/2023</a:t>
             </a:fld>
             <a:endParaRPr lang="en-US"/>
           </a:p>
@@ -730,7 +730,7 @@
           <a:p>
             <a:fld id="{3FCA6BAC-FA03-4867-A248-B136F1FCECE1}" type="datetimeFigureOut">
               <a:rPr lang="en-US" smtClean="0"/>
-              <a:t>10/19/2023</a:t>
+              <a:t>10/23/2023</a:t>
             </a:fld>
             <a:endParaRPr lang="en-US"/>
           </a:p>
@@ -1218,7 +1218,7 @@
           <a:p>
             <a:fld id="{3FCA6BAC-FA03-4867-A248-B136F1FCECE1}" type="datetimeFigureOut">
               <a:rPr lang="en-US" smtClean="0"/>
-              <a:t>10/19/2023</a:t>
+              <a:t>10/23/2023</a:t>
             </a:fld>
             <a:endParaRPr lang="en-US"/>
           </a:p>
@@ -1587,7 +1587,7 @@
           <a:p>
             <a:fld id="{3FCA6BAC-FA03-4867-A248-B136F1FCECE1}" type="datetimeFigureOut">
               <a:rPr lang="en-US" smtClean="0"/>
-              <a:t>10/19/2023</a:t>
+              <a:t>10/23/2023</a:t>
             </a:fld>
             <a:endParaRPr lang="en-US"/>
           </a:p>
@@ -1742,7 +1742,7 @@
           <a:ln/>
           <a:extLst>
             <a:ext uri="{91240B29-F687-4f45-9708-019B960494DF}">
-              <a14:hiddenLine xmlns:a14="http://schemas.microsoft.com/office/drawing/2010/main" xmlns="" w="9525">
+              <a14:hiddenLine xmlns="" xmlns:a14="http://schemas.microsoft.com/office/drawing/2010/main" w="9525">
                 <a:solidFill>
                   <a:srgbClr val="000000"/>
                 </a:solidFill>
@@ -1860,7 +1860,7 @@
           <a:p>
             <a:fld id="{3FCA6BAC-FA03-4867-A248-B136F1FCECE1}" type="datetimeFigureOut">
               <a:rPr lang="en-US" smtClean="0"/>
-              <a:t>10/19/2023</a:t>
+              <a:t>10/23/2023</a:t>
             </a:fld>
             <a:endParaRPr lang="en-US"/>
           </a:p>
@@ -2017,7 +2017,7 @@
           <a:ln/>
           <a:extLst>
             <a:ext uri="{91240B29-F687-4f45-9708-019B960494DF}">
-              <a14:hiddenLine xmlns:a14="http://schemas.microsoft.com/office/drawing/2010/main" xmlns="" w="9525">
+              <a14:hiddenLine xmlns="" xmlns:a14="http://schemas.microsoft.com/office/drawing/2010/main" w="9525">
                 <a:solidFill>
                   <a:srgbClr val="000000"/>
                 </a:solidFill>
@@ -2145,7 +2145,7 @@
           <a:p>
             <a:fld id="{3FCA6BAC-FA03-4867-A248-B136F1FCECE1}" type="datetimeFigureOut">
               <a:rPr lang="en-US" smtClean="0"/>
-              <a:t>10/19/2023</a:t>
+              <a:t>10/23/2023</a:t>
             </a:fld>
             <a:endParaRPr lang="en-US"/>
           </a:p>
@@ -2300,7 +2300,7 @@
           <a:ln/>
           <a:extLst>
             <a:ext uri="{91240B29-F687-4f45-9708-019B960494DF}">
-              <a14:hiddenLine xmlns:a14="http://schemas.microsoft.com/office/drawing/2010/main" xmlns="" w="9525">
+              <a14:hiddenLine xmlns="" xmlns:a14="http://schemas.microsoft.com/office/drawing/2010/main" w="9525">
                 <a:solidFill>
                   <a:srgbClr val="000000"/>
                 </a:solidFill>
@@ -2428,7 +2428,7 @@
           <a:p>
             <a:fld id="{3FCA6BAC-FA03-4867-A248-B136F1FCECE1}" type="datetimeFigureOut">
               <a:rPr lang="en-US" smtClean="0"/>
-              <a:t>10/19/2023</a:t>
+              <a:t>10/23/2023</a:t>
             </a:fld>
             <a:endParaRPr lang="en-US"/>
           </a:p>
@@ -2771,7 +2771,7 @@
           <a:p>
             <a:fld id="{3FCA6BAC-FA03-4867-A248-B136F1FCECE1}" type="datetimeFigureOut">
               <a:rPr lang="en-US" smtClean="0"/>
-              <a:t>10/19/2023</a:t>
+              <a:t>10/23/2023</a:t>
             </a:fld>
             <a:endParaRPr lang="en-US"/>
           </a:p>
@@ -2926,7 +2926,7 @@
           <a:ln/>
           <a:extLst>
             <a:ext uri="{91240B29-F687-4f45-9708-019B960494DF}">
-              <a14:hiddenLine xmlns:a14="http://schemas.microsoft.com/office/drawing/2010/main" xmlns="" w="9525">
+              <a14:hiddenLine xmlns="" xmlns:a14="http://schemas.microsoft.com/office/drawing/2010/main" w="9525">
                 <a:solidFill>
                   <a:srgbClr val="000000"/>
                 </a:solidFill>
@@ -3110,7 +3110,7 @@
           <a:p>
             <a:fld id="{3FCA6BAC-FA03-4867-A248-B136F1FCECE1}" type="datetimeFigureOut">
               <a:rPr lang="en-US" smtClean="0"/>
-              <a:t>10/19/2023</a:t>
+              <a:t>10/23/2023</a:t>
             </a:fld>
             <a:endParaRPr lang="en-US"/>
           </a:p>
@@ -3265,7 +3265,7 @@
           <a:ln/>
           <a:extLst>
             <a:ext uri="{91240B29-F687-4f45-9708-019B960494DF}">
-              <a14:hiddenLine xmlns:a14="http://schemas.microsoft.com/office/drawing/2010/main" xmlns="" w="9525">
+              <a14:hiddenLine xmlns="" xmlns:a14="http://schemas.microsoft.com/office/drawing/2010/main" w="9525">
                 <a:solidFill>
                   <a:srgbClr val="000000"/>
                 </a:solidFill>
@@ -3587,7 +3587,7 @@
           <a:p>
             <a:fld id="{3FCA6BAC-FA03-4867-A248-B136F1FCECE1}" type="datetimeFigureOut">
               <a:rPr lang="en-US" smtClean="0"/>
-              <a:t>10/19/2023</a:t>
+              <a:t>10/23/2023</a:t>
             </a:fld>
             <a:endParaRPr lang="en-US"/>
           </a:p>
@@ -3742,7 +3742,7 @@
           <a:ln/>
           <a:extLst>
             <a:ext uri="{91240B29-F687-4f45-9708-019B960494DF}">
-              <a14:hiddenLine xmlns:a14="http://schemas.microsoft.com/office/drawing/2010/main" xmlns="" w="9525">
+              <a14:hiddenLine xmlns="" xmlns:a14="http://schemas.microsoft.com/office/drawing/2010/main" w="9525">
                 <a:solidFill>
                   <a:srgbClr val="000000"/>
                 </a:solidFill>
@@ -3808,7 +3808,7 @@
           <a:p>
             <a:fld id="{3FCA6BAC-FA03-4867-A248-B136F1FCECE1}" type="datetimeFigureOut">
               <a:rPr lang="en-US" smtClean="0"/>
-              <a:t>10/19/2023</a:t>
+              <a:t>10/23/2023</a:t>
             </a:fld>
             <a:endParaRPr lang="en-US"/>
           </a:p>
@@ -3903,7 +3903,7 @@
           <a:p>
             <a:fld id="{3FCA6BAC-FA03-4867-A248-B136F1FCECE1}" type="datetimeFigureOut">
               <a:rPr lang="en-US" smtClean="0"/>
-              <a:t>10/19/2023</a:t>
+              <a:t>10/23/2023</a:t>
             </a:fld>
             <a:endParaRPr lang="en-US"/>
           </a:p>
@@ -4171,7 +4171,7 @@
           <a:ln/>
           <a:extLst>
             <a:ext uri="{91240B29-F687-4f45-9708-019B960494DF}">
-              <a14:hiddenLine xmlns:a14="http://schemas.microsoft.com/office/drawing/2010/main" xmlns="" w="9525">
+              <a14:hiddenLine xmlns="" xmlns:a14="http://schemas.microsoft.com/office/drawing/2010/main" w="9525">
                 <a:solidFill>
                   <a:srgbClr val="000000"/>
                 </a:solidFill>
@@ -4370,7 +4370,7 @@
           <a:p>
             <a:fld id="{3FCA6BAC-FA03-4867-A248-B136F1FCECE1}" type="datetimeFigureOut">
               <a:rPr lang="en-US" smtClean="0"/>
-              <a:t>10/19/2023</a:t>
+              <a:t>10/23/2023</a:t>
             </a:fld>
             <a:endParaRPr lang="en-US"/>
           </a:p>
@@ -4683,7 +4683,7 @@
           <a:p>
             <a:fld id="{3FCA6BAC-FA03-4867-A248-B136F1FCECE1}" type="datetimeFigureOut">
               <a:rPr lang="en-US" smtClean="0"/>
-              <a:t>10/19/2023</a:t>
+              <a:t>10/23/2023</a:t>
             </a:fld>
             <a:endParaRPr lang="en-US"/>
           </a:p>
@@ -4953,7 +4953,7 @@
           <a:p>
             <a:fld id="{3FCA6BAC-FA03-4867-A248-B136F1FCECE1}" type="datetimeFigureOut">
               <a:rPr lang="en-US" smtClean="0"/>
-              <a:t>10/19/2023</a:t>
+              <a:t>10/23/2023</a:t>
             </a:fld>
             <a:endParaRPr lang="en-US"/>
           </a:p>
@@ -5984,7 +5984,7 @@
           <a:effectLst/>
           <a:extLst>
             <a:ext uri="{91240B29-F687-4f45-9708-019B960494DF}">
-              <a14:hiddenLine xmlns="" xmlns:a14="http://schemas.microsoft.com/office/drawing/2010/main" xmlns:p14="http://schemas.microsoft.com/office/powerpoint/2010/main" xmlns:a16="http://schemas.microsoft.com/office/drawing/2014/main" w="9525">
+              <a14:hiddenLine xmlns:a16="http://schemas.microsoft.com/office/drawing/2014/main" xmlns:p14="http://schemas.microsoft.com/office/powerpoint/2010/main" xmlns:a14="http://schemas.microsoft.com/office/drawing/2010/main" xmlns="" w="9525">
                 <a:solidFill>
                   <a:srgbClr val="000000"/>
                 </a:solidFill>
@@ -6438,7 +6438,7 @@
           <a:effectLst/>
           <a:extLst>
             <a:ext uri="{91240B29-F687-4f45-9708-019B960494DF}">
-              <a14:hiddenLine xmlns="" xmlns:a14="http://schemas.microsoft.com/office/drawing/2010/main" xmlns:p14="http://schemas.microsoft.com/office/powerpoint/2010/main" xmlns:a16="http://schemas.microsoft.com/office/drawing/2014/main" w="9525">
+              <a14:hiddenLine xmlns:a16="http://schemas.microsoft.com/office/drawing/2014/main" xmlns:p14="http://schemas.microsoft.com/office/powerpoint/2010/main" xmlns:a14="http://schemas.microsoft.com/office/drawing/2010/main" xmlns="" w="9525">
                 <a:solidFill>
                   <a:srgbClr val="000000"/>
                 </a:solidFill>
